--- a/doc/InnomathEd/Interactive geometry with JSXGraph.pptx
+++ b/doc/InnomathEd/Interactive geometry with JSXGraph.pptx
@@ -45,8 +45,8 @@
     <p:sldId id="296" r:id="rId36"/>
     <p:sldId id="297" r:id="rId37"/>
     <p:sldId id="298" r:id="rId38"/>
-    <p:sldId id="299" r:id="rId39"/>
-    <p:sldId id="300" r:id="rId40"/>
+    <p:sldId id="300" r:id="rId39"/>
+    <p:sldId id="299" r:id="rId40"/>
     <p:sldId id="301" r:id="rId41"/>
     <p:sldId id="302" r:id="rId42"/>
   </p:sldIdLst>
@@ -233,7 +233,7 @@
             <a:fld id="{E2BAE153-D929-4317-A4AB-BCCC72F2DF5D}" type="datetimeFigureOut">
               <a:rPr lang="de-DE" smtClean="0"/>
               <a:pPr/>
-              <a:t>03.05.2010</a:t>
+              <a:t>04.05.2010</a:t>
             </a:fld>
             <a:endParaRPr lang="de-DE"/>
           </a:p>
@@ -763,7 +763,7 @@
             <a:fld id="{477E1E78-23B3-46FC-95EC-6DF4952F46E2}" type="datetimeFigureOut">
               <a:rPr lang="de-DE" smtClean="0"/>
               <a:pPr/>
-              <a:t>03.05.2010</a:t>
+              <a:t>04.05.2010</a:t>
             </a:fld>
             <a:endParaRPr lang="de-DE"/>
           </a:p>
@@ -930,7 +930,7 @@
             <a:fld id="{477E1E78-23B3-46FC-95EC-6DF4952F46E2}" type="datetimeFigureOut">
               <a:rPr lang="de-DE" smtClean="0"/>
               <a:pPr/>
-              <a:t>03.05.2010</a:t>
+              <a:t>04.05.2010</a:t>
             </a:fld>
             <a:endParaRPr lang="de-DE"/>
           </a:p>
@@ -1107,7 +1107,7 @@
             <a:fld id="{477E1E78-23B3-46FC-95EC-6DF4952F46E2}" type="datetimeFigureOut">
               <a:rPr lang="de-DE" smtClean="0"/>
               <a:pPr/>
-              <a:t>03.05.2010</a:t>
+              <a:t>04.05.2010</a:t>
             </a:fld>
             <a:endParaRPr lang="de-DE"/>
           </a:p>
@@ -1274,7 +1274,7 @@
             <a:fld id="{477E1E78-23B3-46FC-95EC-6DF4952F46E2}" type="datetimeFigureOut">
               <a:rPr lang="de-DE" smtClean="0"/>
               <a:pPr/>
-              <a:t>03.05.2010</a:t>
+              <a:t>04.05.2010</a:t>
             </a:fld>
             <a:endParaRPr lang="de-DE"/>
           </a:p>
@@ -1517,7 +1517,7 @@
             <a:fld id="{477E1E78-23B3-46FC-95EC-6DF4952F46E2}" type="datetimeFigureOut">
               <a:rPr lang="de-DE" smtClean="0"/>
               <a:pPr/>
-              <a:t>03.05.2010</a:t>
+              <a:t>04.05.2010</a:t>
             </a:fld>
             <a:endParaRPr lang="de-DE"/>
           </a:p>
@@ -1802,7 +1802,7 @@
             <a:fld id="{477E1E78-23B3-46FC-95EC-6DF4952F46E2}" type="datetimeFigureOut">
               <a:rPr lang="de-DE" smtClean="0"/>
               <a:pPr/>
-              <a:t>03.05.2010</a:t>
+              <a:t>04.05.2010</a:t>
             </a:fld>
             <a:endParaRPr lang="de-DE"/>
           </a:p>
@@ -2221,7 +2221,7 @@
             <a:fld id="{477E1E78-23B3-46FC-95EC-6DF4952F46E2}" type="datetimeFigureOut">
               <a:rPr lang="de-DE" smtClean="0"/>
               <a:pPr/>
-              <a:t>03.05.2010</a:t>
+              <a:t>04.05.2010</a:t>
             </a:fld>
             <a:endParaRPr lang="de-DE"/>
           </a:p>
@@ -2336,7 +2336,7 @@
             <a:fld id="{477E1E78-23B3-46FC-95EC-6DF4952F46E2}" type="datetimeFigureOut">
               <a:rPr lang="de-DE" smtClean="0"/>
               <a:pPr/>
-              <a:t>03.05.2010</a:t>
+              <a:t>04.05.2010</a:t>
             </a:fld>
             <a:endParaRPr lang="de-DE"/>
           </a:p>
@@ -2428,7 +2428,7 @@
             <a:fld id="{477E1E78-23B3-46FC-95EC-6DF4952F46E2}" type="datetimeFigureOut">
               <a:rPr lang="de-DE" smtClean="0"/>
               <a:pPr/>
-              <a:t>03.05.2010</a:t>
+              <a:t>04.05.2010</a:t>
             </a:fld>
             <a:endParaRPr lang="de-DE"/>
           </a:p>
@@ -2702,7 +2702,7 @@
             <a:fld id="{477E1E78-23B3-46FC-95EC-6DF4952F46E2}" type="datetimeFigureOut">
               <a:rPr lang="de-DE" smtClean="0"/>
               <a:pPr/>
-              <a:t>03.05.2010</a:t>
+              <a:t>04.05.2010</a:t>
             </a:fld>
             <a:endParaRPr lang="de-DE"/>
           </a:p>
@@ -2952,7 +2952,7 @@
             <a:fld id="{477E1E78-23B3-46FC-95EC-6DF4952F46E2}" type="datetimeFigureOut">
               <a:rPr lang="de-DE" smtClean="0"/>
               <a:pPr/>
-              <a:t>03.05.2010</a:t>
+              <a:t>04.05.2010</a:t>
             </a:fld>
             <a:endParaRPr lang="de-DE"/>
           </a:p>
@@ -3171,7 +3171,7 @@
             <a:fld id="{477E1E78-23B3-46FC-95EC-6DF4952F46E2}" type="datetimeFigureOut">
               <a:rPr lang="de-DE" smtClean="0"/>
               <a:pPr/>
-              <a:t>03.05.2010</a:t>
+              <a:t>04.05.2010</a:t>
             </a:fld>
             <a:endParaRPr lang="de-DE"/>
           </a:p>
@@ -10562,7 +10562,7 @@
         </p:blipFill>
         <p:spPr>
           <a:xfrm>
-            <a:off x="642910" y="1285860"/>
+            <a:off x="142844" y="1285860"/>
             <a:ext cx="2500330" cy="2506458"/>
           </a:xfrm>
           <a:prstGeom prst="rect">
@@ -10578,7 +10578,7 @@
         </p:nvSpPr>
         <p:spPr>
           <a:xfrm>
-            <a:off x="1000100" y="3857628"/>
+            <a:off x="357158" y="3857628"/>
             <a:ext cx="2122632" cy="369332"/>
           </a:xfrm>
           <a:prstGeom prst="rect">
@@ -10614,30 +10614,6 @@
           </a:p>
         </p:txBody>
       </p:sp>
-      <p:pic>
-        <p:nvPicPr>
-          <p:cNvPr id="6" name="Grafik 5" descr="barchart.png"/>
-          <p:cNvPicPr>
-            <a:picLocks noChangeAspect="1"/>
-          </p:cNvPicPr>
-          <p:nvPr/>
-        </p:nvPicPr>
-        <p:blipFill>
-          <a:blip r:embed="rId4" cstate="print"/>
-          <a:stretch>
-            <a:fillRect/>
-          </a:stretch>
-        </p:blipFill>
-        <p:spPr>
-          <a:xfrm>
-            <a:off x="3357554" y="1285860"/>
-            <a:ext cx="2714643" cy="2500330"/>
-          </a:xfrm>
-          <a:prstGeom prst="rect">
-            <a:avLst/>
-          </a:prstGeom>
-        </p:spPr>
-      </p:pic>
       <p:pic>
         <p:nvPicPr>
           <p:cNvPr id="7" name="Grafik 6" descr="calculus.png"/>
@@ -10647,7 +10623,7 @@
           <p:nvPr/>
         </p:nvPicPr>
         <p:blipFill>
-          <a:blip r:embed="rId5" cstate="print"/>
+          <a:blip r:embed="rId4" cstate="print"/>
           <a:stretch>
             <a:fillRect/>
           </a:stretch>
@@ -10671,7 +10647,7 @@
           <p:nvPr/>
         </p:nvPicPr>
         <p:blipFill>
-          <a:blip r:embed="rId6" cstate="print"/>
+          <a:blip r:embed="rId5" cstate="print"/>
           <a:stretch>
             <a:fillRect/>
           </a:stretch>
@@ -10694,7 +10670,7 @@
         </p:nvSpPr>
         <p:spPr>
           <a:xfrm>
-            <a:off x="3786182" y="3857628"/>
+            <a:off x="3500430" y="3857628"/>
             <a:ext cx="2088649" cy="369332"/>
           </a:xfrm>
           <a:prstGeom prst="rect">
@@ -10710,13 +10686,13 @@
           <a:p>
             <a:r>
               <a:rPr lang="de-DE" dirty="0" smtClean="0">
-                <a:hlinkClick r:id="rId7" action="ppaction://hlinkfile"/>
+                <a:hlinkClick r:id="rId6" action="ppaction://hlinkfile"/>
               </a:rPr>
               <a:t>Interactive bar </a:t>
             </a:r>
             <a:r>
               <a:rPr lang="de-DE" dirty="0" err="1" smtClean="0">
-                <a:hlinkClick r:id="rId7" action="ppaction://hlinkfile"/>
+                <a:hlinkClick r:id="rId6" action="ppaction://hlinkfile"/>
               </a:rPr>
               <a:t>chart</a:t>
             </a:r>
@@ -10748,37 +10724,37 @@
           <a:p>
             <a:r>
               <a:rPr lang="de-DE" dirty="0" smtClean="0">
-                <a:hlinkClick r:id="rId8" action="ppaction://hlinkfile"/>
+                <a:hlinkClick r:id="rId7" action="ppaction://hlinkfile"/>
               </a:rPr>
               <a:t>Koch </a:t>
             </a:r>
             <a:r>
               <a:rPr lang="de-DE" dirty="0" err="1" smtClean="0">
-                <a:hlinkClick r:id="rId8" action="ppaction://hlinkfile"/>
+                <a:hlinkClick r:id="rId7" action="ppaction://hlinkfile"/>
               </a:rPr>
               <a:t>curve</a:t>
             </a:r>
             <a:r>
               <a:rPr lang="de-DE" dirty="0" smtClean="0">
-                <a:hlinkClick r:id="rId8" action="ppaction://hlinkfile"/>
+                <a:hlinkClick r:id="rId7" action="ppaction://hlinkfile"/>
               </a:rPr>
               <a:t> </a:t>
             </a:r>
             <a:r>
               <a:rPr lang="de-DE" dirty="0" err="1" smtClean="0">
-                <a:hlinkClick r:id="rId8" action="ppaction://hlinkfile"/>
+                <a:hlinkClick r:id="rId7" action="ppaction://hlinkfile"/>
               </a:rPr>
               <a:t>with</a:t>
             </a:r>
             <a:r>
               <a:rPr lang="de-DE" dirty="0" smtClean="0">
-                <a:hlinkClick r:id="rId8" action="ppaction://hlinkfile"/>
+                <a:hlinkClick r:id="rId7" action="ppaction://hlinkfile"/>
               </a:rPr>
               <a:t> turtle </a:t>
             </a:r>
             <a:r>
               <a:rPr lang="de-DE" dirty="0" err="1" smtClean="0">
-                <a:hlinkClick r:id="rId8" action="ppaction://hlinkfile"/>
+                <a:hlinkClick r:id="rId7" action="ppaction://hlinkfile"/>
               </a:rPr>
               <a:t>graphics</a:t>
             </a:r>
@@ -10810,7 +10786,7 @@
           <a:p>
             <a:r>
               <a:rPr lang="de-DE" dirty="0" err="1" smtClean="0">
-                <a:hlinkClick r:id="rId9" action="ppaction://hlinkfile"/>
+                <a:hlinkClick r:id="rId8" action="ppaction://hlinkfile"/>
               </a:rPr>
               <a:t>Calculus</a:t>
             </a:r>
@@ -10827,14 +10803,14 @@
           <p:nvPr/>
         </p:nvPicPr>
         <p:blipFill>
-          <a:blip r:embed="rId10" cstate="print"/>
+          <a:blip r:embed="rId9" cstate="print"/>
           <a:stretch>
             <a:fillRect/>
           </a:stretch>
         </p:blipFill>
         <p:spPr>
           <a:xfrm>
-            <a:off x="6286512" y="1285860"/>
+            <a:off x="6357950" y="1285860"/>
             <a:ext cx="2517084" cy="2500792"/>
           </a:xfrm>
           <a:prstGeom prst="rect">
@@ -10866,31 +10842,31 @@
           <a:p>
             <a:r>
               <a:rPr lang="de-DE" dirty="0" err="1" smtClean="0">
-                <a:hlinkClick r:id="rId11" action="ppaction://hlinkfile"/>
+                <a:hlinkClick r:id="rId10" action="ppaction://hlinkfile"/>
               </a:rPr>
               <a:t>Appolonian</a:t>
             </a:r>
             <a:r>
               <a:rPr lang="de-DE" dirty="0" smtClean="0">
-                <a:hlinkClick r:id="rId11" action="ppaction://hlinkfile"/>
+                <a:hlinkClick r:id="rId10" action="ppaction://hlinkfile"/>
               </a:rPr>
               <a:t> </a:t>
             </a:r>
             <a:r>
               <a:rPr lang="de-DE" dirty="0" err="1" smtClean="0">
-                <a:hlinkClick r:id="rId11" action="ppaction://hlinkfile"/>
+                <a:hlinkClick r:id="rId10" action="ppaction://hlinkfile"/>
               </a:rPr>
               <a:t>circle</a:t>
             </a:r>
             <a:r>
               <a:rPr lang="de-DE" dirty="0" smtClean="0">
-                <a:hlinkClick r:id="rId11" action="ppaction://hlinkfile"/>
+                <a:hlinkClick r:id="rId10" action="ppaction://hlinkfile"/>
               </a:rPr>
               <a:t> </a:t>
             </a:r>
             <a:r>
               <a:rPr lang="de-DE" dirty="0" err="1" smtClean="0">
-                <a:hlinkClick r:id="rId11" action="ppaction://hlinkfile"/>
+                <a:hlinkClick r:id="rId10" action="ppaction://hlinkfile"/>
               </a:rPr>
               <a:t>packing</a:t>
             </a:r>
@@ -10898,6 +10874,30 @@
           </a:p>
         </p:txBody>
       </p:sp>
+      <p:pic>
+        <p:nvPicPr>
+          <p:cNvPr id="14" name="Grafik 13" descr="elections.jpg"/>
+          <p:cNvPicPr>
+            <a:picLocks noChangeAspect="1"/>
+          </p:cNvPicPr>
+          <p:nvPr/>
+        </p:nvPicPr>
+        <p:blipFill>
+          <a:blip r:embed="rId11" cstate="print"/>
+          <a:stretch>
+            <a:fillRect/>
+          </a:stretch>
+        </p:blipFill>
+        <p:spPr>
+          <a:xfrm>
+            <a:off x="2857488" y="1285860"/>
+            <a:ext cx="3304594" cy="2500330"/>
+          </a:xfrm>
+          <a:prstGeom prst="rect">
+            <a:avLst/>
+          </a:prstGeom>
+        </p:spPr>
+      </p:pic>
     </p:spTree>
   </p:cSld>
   <p:clrMapOvr>
@@ -11564,11 +11564,7 @@
           <a:p>
             <a:r>
               <a:rPr lang="de-DE" sz="4000" b="1" dirty="0" smtClean="0"/>
-              <a:t>Alternative</a:t>
-            </a:r>
-            <a:r>
-              <a:rPr lang="de-DE" sz="4000" b="1" dirty="0" smtClean="0"/>
-              <a:t> </a:t>
+              <a:t>Alternative </a:t>
             </a:r>
             <a:r>
               <a:rPr lang="de-DE" sz="4000" b="1" dirty="0" err="1" smtClean="0"/>
@@ -13272,31 +13268,45 @@
           <a:lstStyle/>
           <a:p>
             <a:r>
-              <a:rPr lang="de-DE" sz="2400" dirty="0" err="1" smtClean="0"/>
+              <a:rPr lang="de-DE" sz="2400" dirty="0" err="1" smtClean="0">
+                <a:hlinkClick r:id="rId2" action="ppaction://hlinkfile"/>
+              </a:rPr>
               <a:t>Constructing</a:t>
             </a:r>
             <a:r>
-              <a:rPr lang="de-DE" sz="2400" dirty="0" smtClean="0"/>
-              <a:t> </a:t>
-            </a:r>
-            <a:r>
-              <a:rPr lang="de-DE" sz="2400" dirty="0" err="1" smtClean="0"/>
+              <a:rPr lang="de-DE" sz="2400" dirty="0" smtClean="0">
+                <a:hlinkClick r:id="rId2" action="ppaction://hlinkfile"/>
+              </a:rPr>
+              <a:t> </a:t>
+            </a:r>
+            <a:r>
+              <a:rPr lang="de-DE" sz="2400" dirty="0" err="1" smtClean="0">
+                <a:hlinkClick r:id="rId2" action="ppaction://hlinkfile"/>
+              </a:rPr>
               <a:t>with</a:t>
             </a:r>
             <a:r>
-              <a:rPr lang="de-DE" sz="2400" dirty="0" smtClean="0"/>
-              <a:t> </a:t>
-            </a:r>
-            <a:r>
-              <a:rPr lang="de-DE" sz="2400" dirty="0" err="1" smtClean="0"/>
+              <a:rPr lang="de-DE" sz="2400" dirty="0" smtClean="0">
+                <a:hlinkClick r:id="rId2" action="ppaction://hlinkfile"/>
+              </a:rPr>
+              <a:t> </a:t>
+            </a:r>
+            <a:r>
+              <a:rPr lang="de-DE" sz="2400" dirty="0" err="1" smtClean="0">
+                <a:hlinkClick r:id="rId2" action="ppaction://hlinkfile"/>
+              </a:rPr>
               <a:t>math</a:t>
             </a:r>
             <a:r>
-              <a:rPr lang="de-DE" sz="2400" dirty="0" smtClean="0"/>
-              <a:t> </a:t>
-            </a:r>
-            <a:r>
-              <a:rPr lang="de-DE" sz="2400" dirty="0" err="1" smtClean="0"/>
+              <a:rPr lang="de-DE" sz="2400" dirty="0" smtClean="0">
+                <a:hlinkClick r:id="rId2" action="ppaction://hlinkfile"/>
+              </a:rPr>
+              <a:t> </a:t>
+            </a:r>
+            <a:r>
+              <a:rPr lang="de-DE" sz="2400" dirty="0" err="1" smtClean="0">
+                <a:hlinkClick r:id="rId2" action="ppaction://hlinkfile"/>
+              </a:rPr>
               <a:t>syntax</a:t>
             </a:r>
             <a:endParaRPr lang="de-DE" sz="2400" dirty="0"/>
@@ -13341,7 +13351,7 @@
         </p:nvSpPr>
         <p:spPr>
           <a:xfrm>
-            <a:off x="5072066" y="1428736"/>
+            <a:off x="4786314" y="1285860"/>
             <a:ext cx="1016625" cy="461665"/>
           </a:xfrm>
           <a:prstGeom prst="rect">
@@ -13371,7 +13381,7 @@
         </p:nvSpPr>
         <p:spPr>
           <a:xfrm>
-            <a:off x="5357818" y="5357826"/>
+            <a:off x="4714876" y="5572140"/>
             <a:ext cx="1326645" cy="461665"/>
           </a:xfrm>
           <a:prstGeom prst="rect">
@@ -13401,7 +13411,7 @@
         </p:nvSpPr>
         <p:spPr>
           <a:xfrm>
-            <a:off x="1643042" y="4572008"/>
+            <a:off x="1285852" y="4286256"/>
             <a:ext cx="1709122" cy="461665"/>
           </a:xfrm>
           <a:prstGeom prst="rect">
@@ -13431,7 +13441,7 @@
         </p:nvSpPr>
         <p:spPr>
           <a:xfrm>
-            <a:off x="7572396" y="3500438"/>
+            <a:off x="7429520" y="3857628"/>
             <a:ext cx="1191480" cy="461665"/>
           </a:xfrm>
           <a:prstGeom prst="rect">
@@ -13499,7 +13509,7 @@
         </p:nvSpPr>
         <p:spPr>
           <a:xfrm>
-            <a:off x="6715140" y="4572008"/>
+            <a:off x="6429388" y="4857760"/>
             <a:ext cx="1007327" cy="461665"/>
           </a:xfrm>
           <a:prstGeom prst="rect">
@@ -13537,7 +13547,7 @@
         </p:nvSpPr>
         <p:spPr>
           <a:xfrm>
-            <a:off x="785786" y="3286124"/>
+            <a:off x="642910" y="3000372"/>
             <a:ext cx="1449308" cy="461665"/>
           </a:xfrm>
           <a:prstGeom prst="rect">
@@ -13567,7 +13577,7 @@
         </p:nvSpPr>
         <p:spPr>
           <a:xfrm>
-            <a:off x="6929454" y="2285992"/>
+            <a:off x="7143768" y="2714620"/>
             <a:ext cx="1184555" cy="461665"/>
           </a:xfrm>
           <a:prstGeom prst="rect">
@@ -13597,7 +13607,7 @@
         </p:nvSpPr>
         <p:spPr>
           <a:xfrm>
-            <a:off x="3357554" y="5500702"/>
+            <a:off x="2857488" y="5214950"/>
             <a:ext cx="1148071" cy="461665"/>
           </a:xfrm>
           <a:prstGeom prst="rect">
@@ -13614,6 +13624,36 @@
             <a:r>
               <a:rPr lang="de-DE" sz="2400" dirty="0" smtClean="0"/>
               <a:t>X=g&amp;k1</a:t>
+            </a:r>
+            <a:endParaRPr lang="de-DE" sz="2400" dirty="0"/>
+          </a:p>
+        </p:txBody>
+      </p:sp>
+      <p:sp>
+        <p:nvSpPr>
+          <p:cNvPr id="21" name="Textfeld 20"/>
+          <p:cNvSpPr txBox="1"/>
+          <p:nvPr/>
+        </p:nvSpPr>
+        <p:spPr>
+          <a:xfrm>
+            <a:off x="6215074" y="1857364"/>
+            <a:ext cx="1224053" cy="461665"/>
+          </a:xfrm>
+          <a:prstGeom prst="rect">
+            <a:avLst/>
+          </a:prstGeom>
+          <a:noFill/>
+        </p:spPr>
+        <p:txBody>
+          <a:bodyPr wrap="none" rtlCol="0">
+            <a:spAutoFit/>
+          </a:bodyPr>
+          <a:lstStyle/>
+          <a:p>
+            <a:r>
+              <a:rPr lang="de-DE" sz="2400" dirty="0" smtClean="0"/>
+              <a:t>1/2(A,B)</a:t>
             </a:r>
             <a:endParaRPr lang="de-DE" sz="2400" dirty="0"/>
           </a:p>
@@ -13689,6 +13729,405 @@
         <p:spPr>
           <a:xfrm>
             <a:off x="785786" y="1285860"/>
+            <a:ext cx="7574509" cy="523220"/>
+          </a:xfrm>
+          <a:prstGeom prst="rect">
+            <a:avLst/>
+          </a:prstGeom>
+          <a:noFill/>
+        </p:spPr>
+        <p:txBody>
+          <a:bodyPr wrap="none" rtlCol="0">
+            <a:spAutoFit/>
+          </a:bodyPr>
+          <a:lstStyle/>
+          <a:p>
+            <a:r>
+              <a:rPr lang="de-DE" sz="2800" b="1" dirty="0" err="1" smtClean="0"/>
+              <a:t>Perpendicular</a:t>
+            </a:r>
+            <a:r>
+              <a:rPr lang="de-DE" sz="2800" b="1" dirty="0" smtClean="0"/>
+              <a:t> </a:t>
+            </a:r>
+            <a:r>
+              <a:rPr lang="de-DE" sz="2800" b="1" dirty="0" err="1" smtClean="0"/>
+              <a:t>bisector</a:t>
+            </a:r>
+            <a:r>
+              <a:rPr lang="de-DE" sz="2800" b="1" dirty="0" smtClean="0"/>
+              <a:t> </a:t>
+            </a:r>
+            <a:r>
+              <a:rPr lang="de-DE" sz="2800" dirty="0" smtClean="0"/>
+              <a:t>(</a:t>
+            </a:r>
+            <a:r>
+              <a:rPr lang="de-DE" sz="2800" dirty="0" err="1" smtClean="0"/>
+              <a:t>defined</a:t>
+            </a:r>
+            <a:r>
+              <a:rPr lang="de-DE" sz="2800" dirty="0" smtClean="0"/>
+              <a:t> </a:t>
+            </a:r>
+            <a:r>
+              <a:rPr lang="de-DE" sz="2800" dirty="0" err="1" smtClean="0"/>
+              <a:t>by</a:t>
+            </a:r>
+            <a:r>
+              <a:rPr lang="de-DE" sz="2800" dirty="0" smtClean="0"/>
+              <a:t> </a:t>
+            </a:r>
+            <a:r>
+              <a:rPr lang="de-DE" sz="2800" dirty="0" err="1" smtClean="0"/>
+              <a:t>two</a:t>
+            </a:r>
+            <a:r>
+              <a:rPr lang="de-DE" sz="2800" dirty="0" smtClean="0"/>
+              <a:t> </a:t>
+            </a:r>
+            <a:r>
+              <a:rPr lang="de-DE" sz="2800" dirty="0" err="1" smtClean="0"/>
+              <a:t>points</a:t>
+            </a:r>
+            <a:r>
+              <a:rPr lang="de-DE" sz="2800" dirty="0" smtClean="0"/>
+              <a:t> D,E)</a:t>
+            </a:r>
+            <a:endParaRPr lang="de-DE" sz="2800" b="1" dirty="0"/>
+          </a:p>
+        </p:txBody>
+      </p:sp>
+      <p:sp>
+        <p:nvSpPr>
+          <p:cNvPr id="22" name="Rechteck 21"/>
+          <p:cNvSpPr/>
+          <p:nvPr/>
+        </p:nvSpPr>
+        <p:spPr>
+          <a:xfrm>
+            <a:off x="928662" y="1857364"/>
+            <a:ext cx="8001056" cy="1200329"/>
+          </a:xfrm>
+          <a:prstGeom prst="rect">
+            <a:avLst/>
+          </a:prstGeom>
+        </p:spPr>
+        <p:txBody>
+          <a:bodyPr wrap="square">
+            <a:spAutoFit/>
+          </a:bodyPr>
+          <a:lstStyle/>
+          <a:p>
+            <a:r>
+              <a:rPr lang="de-DE" dirty="0" err="1" smtClean="0">
+                <a:latin typeface="Courier New" pitchFamily="49" charset="0"/>
+                <a:cs typeface="Courier New" pitchFamily="49" charset="0"/>
+              </a:rPr>
+              <a:t>Bisector</a:t>
+            </a:r>
+            <a:r>
+              <a:rPr lang="de-DE" dirty="0" smtClean="0">
+                <a:latin typeface="Courier New" pitchFamily="49" charset="0"/>
+                <a:cs typeface="Courier New" pitchFamily="49" charset="0"/>
+              </a:rPr>
+              <a:t> = </a:t>
+            </a:r>
+            <a:r>
+              <a:rPr lang="de-DE" dirty="0" err="1" smtClean="0">
+                <a:latin typeface="Courier New" pitchFamily="49" charset="0"/>
+                <a:cs typeface="Courier New" pitchFamily="49" charset="0"/>
+              </a:rPr>
+              <a:t>Macro</a:t>
+            </a:r>
+            <a:r>
+              <a:rPr lang="de-DE" dirty="0" smtClean="0">
+                <a:latin typeface="Courier New" pitchFamily="49" charset="0"/>
+                <a:cs typeface="Courier New" pitchFamily="49" charset="0"/>
+              </a:rPr>
+              <a:t>(D,E) </a:t>
+            </a:r>
+          </a:p>
+          <a:p>
+            <a:r>
+              <a:rPr lang="de-DE" dirty="0" smtClean="0">
+                <a:latin typeface="Courier New" pitchFamily="49" charset="0"/>
+                <a:cs typeface="Courier New" pitchFamily="49" charset="0"/>
+              </a:rPr>
+              <a:t>   </a:t>
+            </a:r>
+            <a:r>
+              <a:rPr lang="de-DE" dirty="0" smtClean="0">
+                <a:latin typeface="Courier New" pitchFamily="49" charset="0"/>
+                <a:cs typeface="Courier New" pitchFamily="49" charset="0"/>
+              </a:rPr>
+              <a:t>{  </a:t>
+            </a:r>
+          </a:p>
+          <a:p>
+            <a:r>
+              <a:rPr lang="de-DE" dirty="0" smtClean="0">
+                <a:latin typeface="Courier New" pitchFamily="49" charset="0"/>
+                <a:cs typeface="Courier New" pitchFamily="49" charset="0"/>
+              </a:rPr>
+              <a:t> </a:t>
+            </a:r>
+            <a:r>
+              <a:rPr lang="de-DE" dirty="0" smtClean="0">
+                <a:latin typeface="Courier New" pitchFamily="49" charset="0"/>
+                <a:cs typeface="Courier New" pitchFamily="49" charset="0"/>
+              </a:rPr>
+              <a:t>     k1=k(D,E); k2=k(E,D); X=k1&amp;k2; m</a:t>
+            </a:r>
+            <a:r>
+              <a:rPr lang="de-DE" dirty="0" smtClean="0">
+                <a:latin typeface="Courier New" pitchFamily="49" charset="0"/>
+                <a:cs typeface="Courier New" pitchFamily="49" charset="0"/>
+              </a:rPr>
+              <a:t>=]X_1 X_2</a:t>
+            </a:r>
+            <a:r>
+              <a:rPr lang="de-DE" dirty="0" smtClean="0">
+                <a:latin typeface="Courier New" pitchFamily="49" charset="0"/>
+                <a:cs typeface="Courier New" pitchFamily="49" charset="0"/>
+              </a:rPr>
+              <a:t>[;</a:t>
+            </a:r>
+          </a:p>
+          <a:p>
+            <a:r>
+              <a:rPr lang="de-DE" dirty="0" smtClean="0">
+                <a:latin typeface="Courier New" pitchFamily="49" charset="0"/>
+                <a:cs typeface="Courier New" pitchFamily="49" charset="0"/>
+              </a:rPr>
+              <a:t> </a:t>
+            </a:r>
+            <a:r>
+              <a:rPr lang="de-DE" dirty="0" smtClean="0">
+                <a:latin typeface="Courier New" pitchFamily="49" charset="0"/>
+                <a:cs typeface="Courier New" pitchFamily="49" charset="0"/>
+              </a:rPr>
+              <a:t>  }</a:t>
+            </a:r>
+            <a:endParaRPr lang="de-DE" dirty="0">
+              <a:latin typeface="Courier New" pitchFamily="49" charset="0"/>
+              <a:cs typeface="Courier New" pitchFamily="49" charset="0"/>
+            </a:endParaRPr>
+          </a:p>
+        </p:txBody>
+      </p:sp>
+      <p:pic>
+        <p:nvPicPr>
+          <p:cNvPr id="5" name="Grafik 4" descr="bisector.jpg"/>
+          <p:cNvPicPr>
+            <a:picLocks noChangeAspect="1"/>
+          </p:cNvPicPr>
+          <p:nvPr/>
+        </p:nvPicPr>
+        <p:blipFill>
+          <a:blip r:embed="rId2" cstate="print"/>
+          <a:stretch>
+            <a:fillRect/>
+          </a:stretch>
+        </p:blipFill>
+        <p:spPr>
+          <a:xfrm>
+            <a:off x="1000100" y="3714752"/>
+            <a:ext cx="3600455" cy="2709253"/>
+          </a:xfrm>
+          <a:prstGeom prst="rect">
+            <a:avLst/>
+          </a:prstGeom>
+        </p:spPr>
+      </p:pic>
+      <p:sp>
+        <p:nvSpPr>
+          <p:cNvPr id="6" name="Textfeld 5"/>
+          <p:cNvSpPr txBox="1"/>
+          <p:nvPr/>
+        </p:nvSpPr>
+        <p:spPr>
+          <a:xfrm>
+            <a:off x="5214942" y="4071942"/>
+            <a:ext cx="1465914" cy="400110"/>
+          </a:xfrm>
+          <a:prstGeom prst="rect">
+            <a:avLst/>
+          </a:prstGeom>
+          <a:noFill/>
+        </p:spPr>
+        <p:txBody>
+          <a:bodyPr wrap="none" rtlCol="0">
+            <a:spAutoFit/>
+          </a:bodyPr>
+          <a:lstStyle/>
+          <a:p>
+            <a:r>
+              <a:rPr lang="de-DE" sz="2000" dirty="0" err="1" smtClean="0">
+                <a:hlinkClick r:id="rId3" action="ppaction://hlinkfile"/>
+              </a:rPr>
+              <a:t>Circumcircle</a:t>
+            </a:r>
+            <a:endParaRPr lang="de-DE" sz="2000" dirty="0"/>
+          </a:p>
+        </p:txBody>
+      </p:sp>
+      <p:sp>
+        <p:nvSpPr>
+          <p:cNvPr id="7" name="Textfeld 6"/>
+          <p:cNvSpPr txBox="1"/>
+          <p:nvPr/>
+        </p:nvSpPr>
+        <p:spPr>
+          <a:xfrm>
+            <a:off x="5072066" y="4786322"/>
+            <a:ext cx="2714644" cy="1631216"/>
+          </a:xfrm>
+          <a:prstGeom prst="rect">
+            <a:avLst/>
+          </a:prstGeom>
+          <a:noFill/>
+        </p:spPr>
+        <p:txBody>
+          <a:bodyPr wrap="square" rtlCol="0">
+            <a:spAutoFit/>
+          </a:bodyPr>
+          <a:lstStyle/>
+          <a:p>
+            <a:r>
+              <a:rPr lang="de-DE" sz="2000" dirty="0" smtClean="0"/>
+              <a:t>g1=</a:t>
+            </a:r>
+            <a:r>
+              <a:rPr lang="de-DE" sz="2000" dirty="0" err="1" smtClean="0"/>
+              <a:t>bisector</a:t>
+            </a:r>
+            <a:r>
+              <a:rPr lang="de-DE" sz="2000" dirty="0" smtClean="0"/>
+              <a:t>(A,B</a:t>
+            </a:r>
+            <a:r>
+              <a:rPr lang="de-DE" sz="2000" dirty="0" smtClean="0"/>
+              <a:t>);</a:t>
+            </a:r>
+          </a:p>
+          <a:p>
+            <a:r>
+              <a:rPr lang="de-DE" sz="2000" dirty="0" smtClean="0"/>
+              <a:t>g2=</a:t>
+            </a:r>
+            <a:r>
+              <a:rPr lang="de-DE" sz="2000" dirty="0" err="1" smtClean="0"/>
+              <a:t>bisector</a:t>
+            </a:r>
+            <a:r>
+              <a:rPr lang="de-DE" sz="2000" dirty="0" smtClean="0"/>
+              <a:t>(B,C);</a:t>
+            </a:r>
+          </a:p>
+          <a:p>
+            <a:r>
+              <a:rPr lang="de-DE" sz="2000" dirty="0" smtClean="0"/>
+              <a:t>g3=</a:t>
+            </a:r>
+            <a:r>
+              <a:rPr lang="de-DE" sz="2000" dirty="0" err="1" smtClean="0"/>
+              <a:t>bisector</a:t>
+            </a:r>
+            <a:r>
+              <a:rPr lang="de-DE" sz="2000" dirty="0" smtClean="0"/>
+              <a:t>(A,C);</a:t>
+            </a:r>
+          </a:p>
+          <a:p>
+            <a:r>
+              <a:rPr lang="de-DE" sz="2000" dirty="0" smtClean="0"/>
+              <a:t>M=g1.m&amp;g2.m;</a:t>
+            </a:r>
+          </a:p>
+          <a:p>
+            <a:r>
+              <a:rPr lang="de-DE" sz="2000" dirty="0" smtClean="0"/>
+              <a:t>k(M,A</a:t>
+            </a:r>
+            <a:r>
+              <a:rPr lang="de-DE" sz="2000" dirty="0" smtClean="0"/>
+              <a:t>);</a:t>
+            </a:r>
+            <a:endParaRPr lang="de-DE" sz="2000" dirty="0"/>
+          </a:p>
+        </p:txBody>
+      </p:sp>
+    </p:spTree>
+  </p:cSld>
+  <p:clrMapOvr>
+    <a:masterClrMapping/>
+  </p:clrMapOvr>
+  <p:timing>
+    <p:tnLst>
+      <p:par>
+        <p:cTn id="1" dur="indefinite" restart="never" nodeType="tmRoot"/>
+      </p:par>
+    </p:tnLst>
+  </p:timing>
+</p:sld>
+</file>
+
+<file path=ppt/slides/slide39.xml><?xml version="1.0" encoding="utf-8"?>
+<p:sld xmlns:a="http://schemas.openxmlformats.org/drawingml/2006/main" xmlns:r="http://schemas.openxmlformats.org/officeDocument/2006/relationships" xmlns:p="http://schemas.openxmlformats.org/presentationml/2006/main">
+  <p:cSld>
+    <p:spTree>
+      <p:nvGrpSpPr>
+        <p:cNvPr id="1" name=""/>
+        <p:cNvGrpSpPr/>
+        <p:nvPr/>
+      </p:nvGrpSpPr>
+      <p:grpSpPr>
+        <a:xfrm>
+          <a:off x="0" y="0"/>
+          <a:ext cx="0" cy="0"/>
+          <a:chOff x="0" y="0"/>
+          <a:chExt cx="0" cy="0"/>
+        </a:xfrm>
+      </p:grpSpPr>
+      <p:sp>
+        <p:nvSpPr>
+          <p:cNvPr id="4" name="Rechteck 3"/>
+          <p:cNvSpPr/>
+          <p:nvPr/>
+        </p:nvSpPr>
+        <p:spPr>
+          <a:xfrm>
+            <a:off x="642910" y="428604"/>
+            <a:ext cx="7643866" cy="707886"/>
+          </a:xfrm>
+          <a:prstGeom prst="rect">
+            <a:avLst/>
+          </a:prstGeom>
+        </p:spPr>
+        <p:txBody>
+          <a:bodyPr wrap="square">
+            <a:spAutoFit/>
+          </a:bodyPr>
+          <a:lstStyle/>
+          <a:p>
+            <a:r>
+              <a:rPr lang="de-DE" sz="4000" b="1" dirty="0" err="1" smtClean="0"/>
+              <a:t>Macros</a:t>
+            </a:r>
+            <a:endParaRPr lang="de-DE" sz="4000" b="1" dirty="0"/>
+          </a:p>
+        </p:txBody>
+      </p:sp>
+      <p:sp>
+        <p:nvSpPr>
+          <p:cNvPr id="21" name="Textfeld 20"/>
+          <p:cNvSpPr txBox="1"/>
+          <p:nvPr/>
+        </p:nvSpPr>
+        <p:spPr>
+          <a:xfrm>
+            <a:off x="785786" y="1285860"/>
             <a:ext cx="5255413" cy="523220"/>
           </a:xfrm>
           <a:prstGeom prst="rect">
@@ -13786,47 +14225,180 @@
                 <a:latin typeface="Courier New" pitchFamily="49" charset="0"/>
                 <a:cs typeface="Courier New" pitchFamily="49" charset="0"/>
               </a:rPr>
-              <a:t>(D,E</a:t>
-            </a:r>
+              <a:t>(D,E) </a:t>
+            </a:r>
+          </a:p>
+          <a:p>
             <a:r>
               <a:rPr lang="de-DE" dirty="0" smtClean="0">
                 <a:latin typeface="Courier New" pitchFamily="49" charset="0"/>
                 <a:cs typeface="Courier New" pitchFamily="49" charset="0"/>
               </a:rPr>
+              <a:t>   { k1=k(E,D) </a:t>
+            </a:r>
+            <a:r>
+              <a:rPr lang="de-DE" dirty="0" err="1" smtClean="0">
+                <a:latin typeface="Courier New" pitchFamily="49" charset="0"/>
+                <a:cs typeface="Courier New" pitchFamily="49" charset="0"/>
+              </a:rPr>
+              <a:t>nolabel</a:t>
+            </a:r>
+            <a:r>
+              <a:rPr lang="de-DE" dirty="0" smtClean="0">
+                <a:latin typeface="Courier New" pitchFamily="49" charset="0"/>
+                <a:cs typeface="Courier New" pitchFamily="49" charset="0"/>
+              </a:rPr>
+              <a:t> </a:t>
+            </a:r>
+            <a:r>
+              <a:rPr lang="de-DE" dirty="0" err="1" smtClean="0">
+                <a:latin typeface="Courier New" pitchFamily="49" charset="0"/>
+                <a:cs typeface="Courier New" pitchFamily="49" charset="0"/>
+              </a:rPr>
+              <a:t>draft</a:t>
+            </a:r>
+            <a:r>
+              <a:rPr lang="de-DE" dirty="0" smtClean="0">
+                <a:latin typeface="Courier New" pitchFamily="49" charset="0"/>
+                <a:cs typeface="Courier New" pitchFamily="49" charset="0"/>
+              </a:rPr>
+              <a:t>; x=[DE] </a:t>
+            </a:r>
+            <a:r>
+              <a:rPr lang="de-DE" dirty="0" err="1" smtClean="0">
+                <a:latin typeface="Courier New" pitchFamily="49" charset="0"/>
+                <a:cs typeface="Courier New" pitchFamily="49" charset="0"/>
+              </a:rPr>
+              <a:t>nolabel</a:t>
+            </a:r>
+            <a:r>
+              <a:rPr lang="de-DE" dirty="0" smtClean="0">
+                <a:latin typeface="Courier New" pitchFamily="49" charset="0"/>
+                <a:cs typeface="Courier New" pitchFamily="49" charset="0"/>
+              </a:rPr>
+              <a:t> </a:t>
+            </a:r>
+            <a:r>
+              <a:rPr lang="de-DE" dirty="0" err="1" smtClean="0">
+                <a:latin typeface="Courier New" pitchFamily="49" charset="0"/>
+                <a:cs typeface="Courier New" pitchFamily="49" charset="0"/>
+              </a:rPr>
+              <a:t>draft</a:t>
+            </a:r>
+            <a:r>
+              <a:rPr lang="de-DE" dirty="0" smtClean="0">
+                <a:latin typeface="Courier New" pitchFamily="49" charset="0"/>
+                <a:cs typeface="Courier New" pitchFamily="49" charset="0"/>
+              </a:rPr>
+              <a:t>;</a:t>
+            </a:r>
+          </a:p>
+          <a:p>
+            <a:r>
+              <a:rPr lang="de-DE" dirty="0" smtClean="0">
+                <a:latin typeface="Courier New" pitchFamily="49" charset="0"/>
+                <a:cs typeface="Courier New" pitchFamily="49" charset="0"/>
+              </a:rPr>
+              <a:t>     v=|_(</a:t>
+            </a:r>
+            <a:r>
+              <a:rPr lang="de-DE" dirty="0" err="1" smtClean="0">
+                <a:latin typeface="Courier New" pitchFamily="49" charset="0"/>
+                <a:cs typeface="Courier New" pitchFamily="49" charset="0"/>
+              </a:rPr>
+              <a:t>x,E</a:t>
+            </a:r>
+            <a:r>
+              <a:rPr lang="de-DE" dirty="0" smtClean="0">
+                <a:latin typeface="Courier New" pitchFamily="49" charset="0"/>
+                <a:cs typeface="Courier New" pitchFamily="49" charset="0"/>
+              </a:rPr>
               <a:t>) </a:t>
             </a:r>
-            <a:endParaRPr lang="de-DE" dirty="0" smtClean="0">
-              <a:latin typeface="Courier New" pitchFamily="49" charset="0"/>
-              <a:cs typeface="Courier New" pitchFamily="49" charset="0"/>
-            </a:endParaRPr>
-          </a:p>
-          <a:p>
+            <a:r>
+              <a:rPr lang="de-DE" dirty="0" err="1" smtClean="0">
+                <a:latin typeface="Courier New" pitchFamily="49" charset="0"/>
+                <a:cs typeface="Courier New" pitchFamily="49" charset="0"/>
+              </a:rPr>
+              <a:t>draft</a:t>
+            </a:r>
             <a:r>
               <a:rPr lang="de-DE" dirty="0" smtClean="0">
                 <a:latin typeface="Courier New" pitchFamily="49" charset="0"/>
                 <a:cs typeface="Courier New" pitchFamily="49" charset="0"/>
               </a:rPr>
-              <a:t> </a:t>
+              <a:t>; X=k1&amp;v </a:t>
+            </a:r>
+            <a:r>
+              <a:rPr lang="de-DE" dirty="0" err="1" smtClean="0">
+                <a:latin typeface="Courier New" pitchFamily="49" charset="0"/>
+                <a:cs typeface="Courier New" pitchFamily="49" charset="0"/>
+              </a:rPr>
+              <a:t>nolabel</a:t>
             </a:r>
             <a:r>
               <a:rPr lang="de-DE" dirty="0" smtClean="0">
                 <a:latin typeface="Courier New" pitchFamily="49" charset="0"/>
                 <a:cs typeface="Courier New" pitchFamily="49" charset="0"/>
               </a:rPr>
-              <a:t>  { </a:t>
+              <a:t>; z=||(x,X_1) </a:t>
+            </a:r>
+            <a:r>
+              <a:rPr lang="de-DE" dirty="0" err="1" smtClean="0">
+                <a:latin typeface="Courier New" pitchFamily="49" charset="0"/>
+                <a:cs typeface="Courier New" pitchFamily="49" charset="0"/>
+              </a:rPr>
+              <a:t>draft</a:t>
             </a:r>
             <a:r>
               <a:rPr lang="de-DE" dirty="0" smtClean="0">
                 <a:latin typeface="Courier New" pitchFamily="49" charset="0"/>
                 <a:cs typeface="Courier New" pitchFamily="49" charset="0"/>
               </a:rPr>
-              <a:t>k1=k(E,D) </a:t>
+              <a:t>; </a:t>
+            </a:r>
+          </a:p>
+          <a:p>
+            <a:r>
+              <a:rPr lang="de-DE" dirty="0" smtClean="0">
+                <a:latin typeface="Courier New" pitchFamily="49" charset="0"/>
+                <a:cs typeface="Courier New" pitchFamily="49" charset="0"/>
+              </a:rPr>
+              <a:t>     z2=|_(</a:t>
             </a:r>
             <a:r>
               <a:rPr lang="de-DE" dirty="0" err="1" smtClean="0">
                 <a:latin typeface="Courier New" pitchFamily="49" charset="0"/>
                 <a:cs typeface="Courier New" pitchFamily="49" charset="0"/>
               </a:rPr>
+              <a:t>x,D</a:t>
+            </a:r>
+            <a:r>
+              <a:rPr lang="de-DE" dirty="0" smtClean="0">
+                <a:latin typeface="Courier New" pitchFamily="49" charset="0"/>
+                <a:cs typeface="Courier New" pitchFamily="49" charset="0"/>
+              </a:rPr>
+              <a:t>) </a:t>
+            </a:r>
+            <a:r>
+              <a:rPr lang="de-DE" dirty="0" err="1" smtClean="0">
+                <a:latin typeface="Courier New" pitchFamily="49" charset="0"/>
+                <a:cs typeface="Courier New" pitchFamily="49" charset="0"/>
+              </a:rPr>
+              <a:t>draft</a:t>
+            </a:r>
+            <a:r>
+              <a:rPr lang="de-DE" dirty="0" smtClean="0">
+                <a:latin typeface="Courier New" pitchFamily="49" charset="0"/>
+                <a:cs typeface="Courier New" pitchFamily="49" charset="0"/>
+              </a:rPr>
+              <a:t>; Y=z2&amp;z </a:t>
+            </a:r>
+            <a:r>
+              <a:rPr lang="de-DE" dirty="0" err="1" smtClean="0">
+                <a:latin typeface="Courier New" pitchFamily="49" charset="0"/>
+                <a:cs typeface="Courier New" pitchFamily="49" charset="0"/>
+              </a:rPr>
               <a:t>nolabel</a:t>
             </a:r>
             <a:r>
@@ -13834,244 +14406,30 @@
                 <a:latin typeface="Courier New" pitchFamily="49" charset="0"/>
                 <a:cs typeface="Courier New" pitchFamily="49" charset="0"/>
               </a:rPr>
-              <a:t> </a:t>
+              <a:t>; P[X_1,Y,D,E] </a:t>
             </a:r>
             <a:r>
               <a:rPr lang="de-DE" dirty="0" err="1" smtClean="0">
                 <a:latin typeface="Courier New" pitchFamily="49" charset="0"/>
                 <a:cs typeface="Courier New" pitchFamily="49" charset="0"/>
               </a:rPr>
-              <a:t>draft</a:t>
+              <a:t>nolabel</a:t>
             </a:r>
             <a:r>
               <a:rPr lang="de-DE" dirty="0" smtClean="0">
                 <a:latin typeface="Courier New" pitchFamily="49" charset="0"/>
                 <a:cs typeface="Courier New" pitchFamily="49" charset="0"/>
               </a:rPr>
-              <a:t>; x</a:t>
-            </a:r>
+              <a:t>;</a:t>
+            </a:r>
+          </a:p>
+          <a:p>
             <a:r>
               <a:rPr lang="de-DE" dirty="0" smtClean="0">
                 <a:latin typeface="Courier New" pitchFamily="49" charset="0"/>
                 <a:cs typeface="Courier New" pitchFamily="49" charset="0"/>
               </a:rPr>
-              <a:t>=[DE] </a:t>
-            </a:r>
-            <a:r>
-              <a:rPr lang="de-DE" dirty="0" err="1" smtClean="0">
-                <a:latin typeface="Courier New" pitchFamily="49" charset="0"/>
-                <a:cs typeface="Courier New" pitchFamily="49" charset="0"/>
-              </a:rPr>
-              <a:t>nolabel</a:t>
-            </a:r>
-            <a:r>
-              <a:rPr lang="de-DE" dirty="0" smtClean="0">
-                <a:latin typeface="Courier New" pitchFamily="49" charset="0"/>
-                <a:cs typeface="Courier New" pitchFamily="49" charset="0"/>
-              </a:rPr>
-              <a:t> </a:t>
-            </a:r>
-            <a:r>
-              <a:rPr lang="de-DE" dirty="0" err="1" smtClean="0">
-                <a:latin typeface="Courier New" pitchFamily="49" charset="0"/>
-                <a:cs typeface="Courier New" pitchFamily="49" charset="0"/>
-              </a:rPr>
-              <a:t>draft</a:t>
-            </a:r>
-            <a:r>
-              <a:rPr lang="de-DE" dirty="0" smtClean="0">
-                <a:latin typeface="Courier New" pitchFamily="49" charset="0"/>
-                <a:cs typeface="Courier New" pitchFamily="49" charset="0"/>
-              </a:rPr>
-              <a:t>;</a:t>
-            </a:r>
-          </a:p>
-          <a:p>
-            <a:r>
-              <a:rPr lang="de-DE" dirty="0" smtClean="0">
-                <a:latin typeface="Courier New" pitchFamily="49" charset="0"/>
-                <a:cs typeface="Courier New" pitchFamily="49" charset="0"/>
-              </a:rPr>
-              <a:t> </a:t>
-            </a:r>
-            <a:r>
-              <a:rPr lang="de-DE" dirty="0" smtClean="0">
-                <a:latin typeface="Courier New" pitchFamily="49" charset="0"/>
-                <a:cs typeface="Courier New" pitchFamily="49" charset="0"/>
-              </a:rPr>
-              <a:t>    v</a:t>
-            </a:r>
-            <a:r>
-              <a:rPr lang="de-DE" dirty="0" smtClean="0">
-                <a:latin typeface="Courier New" pitchFamily="49" charset="0"/>
-                <a:cs typeface="Courier New" pitchFamily="49" charset="0"/>
-              </a:rPr>
-              <a:t>=|_(</a:t>
-            </a:r>
-            <a:r>
-              <a:rPr lang="de-DE" dirty="0" err="1" smtClean="0">
-                <a:latin typeface="Courier New" pitchFamily="49" charset="0"/>
-                <a:cs typeface="Courier New" pitchFamily="49" charset="0"/>
-              </a:rPr>
-              <a:t>x,E</a:t>
-            </a:r>
-            <a:r>
-              <a:rPr lang="de-DE" dirty="0" smtClean="0">
-                <a:latin typeface="Courier New" pitchFamily="49" charset="0"/>
-                <a:cs typeface="Courier New" pitchFamily="49" charset="0"/>
-              </a:rPr>
-              <a:t>) </a:t>
-            </a:r>
-            <a:r>
-              <a:rPr lang="de-DE" dirty="0" err="1" smtClean="0">
-                <a:latin typeface="Courier New" pitchFamily="49" charset="0"/>
-                <a:cs typeface="Courier New" pitchFamily="49" charset="0"/>
-              </a:rPr>
-              <a:t>draft</a:t>
-            </a:r>
-            <a:r>
-              <a:rPr lang="de-DE" dirty="0" smtClean="0">
-                <a:latin typeface="Courier New" pitchFamily="49" charset="0"/>
-                <a:cs typeface="Courier New" pitchFamily="49" charset="0"/>
-              </a:rPr>
-              <a:t>; X=k1&amp;v </a:t>
-            </a:r>
-            <a:r>
-              <a:rPr lang="de-DE" dirty="0" err="1" smtClean="0">
-                <a:latin typeface="Courier New" pitchFamily="49" charset="0"/>
-                <a:cs typeface="Courier New" pitchFamily="49" charset="0"/>
-              </a:rPr>
-              <a:t>nolabel</a:t>
-            </a:r>
-            <a:r>
-              <a:rPr lang="de-DE" dirty="0" smtClean="0">
-                <a:latin typeface="Courier New" pitchFamily="49" charset="0"/>
-                <a:cs typeface="Courier New" pitchFamily="49" charset="0"/>
-              </a:rPr>
-              <a:t>; z</a:t>
-            </a:r>
-            <a:r>
-              <a:rPr lang="de-DE" dirty="0" smtClean="0">
-                <a:latin typeface="Courier New" pitchFamily="49" charset="0"/>
-                <a:cs typeface="Courier New" pitchFamily="49" charset="0"/>
-              </a:rPr>
-              <a:t>=||(</a:t>
-            </a:r>
-            <a:r>
-              <a:rPr lang="de-DE" dirty="0" smtClean="0">
-                <a:latin typeface="Courier New" pitchFamily="49" charset="0"/>
-                <a:cs typeface="Courier New" pitchFamily="49" charset="0"/>
-              </a:rPr>
-              <a:t>x,X_1) </a:t>
-            </a:r>
-            <a:r>
-              <a:rPr lang="de-DE" dirty="0" err="1" smtClean="0">
-                <a:latin typeface="Courier New" pitchFamily="49" charset="0"/>
-                <a:cs typeface="Courier New" pitchFamily="49" charset="0"/>
-              </a:rPr>
-              <a:t>draft</a:t>
-            </a:r>
-            <a:r>
-              <a:rPr lang="de-DE" dirty="0" smtClean="0">
-                <a:latin typeface="Courier New" pitchFamily="49" charset="0"/>
-                <a:cs typeface="Courier New" pitchFamily="49" charset="0"/>
-              </a:rPr>
-              <a:t>; </a:t>
-            </a:r>
-          </a:p>
-          <a:p>
-            <a:r>
-              <a:rPr lang="de-DE" dirty="0" smtClean="0">
-                <a:latin typeface="Courier New" pitchFamily="49" charset="0"/>
-                <a:cs typeface="Courier New" pitchFamily="49" charset="0"/>
-              </a:rPr>
-              <a:t> </a:t>
-            </a:r>
-            <a:r>
-              <a:rPr lang="de-DE" dirty="0" smtClean="0">
-                <a:latin typeface="Courier New" pitchFamily="49" charset="0"/>
-                <a:cs typeface="Courier New" pitchFamily="49" charset="0"/>
-              </a:rPr>
-              <a:t>    z2</a:t>
-            </a:r>
-            <a:r>
-              <a:rPr lang="de-DE" dirty="0" smtClean="0">
-                <a:latin typeface="Courier New" pitchFamily="49" charset="0"/>
-                <a:cs typeface="Courier New" pitchFamily="49" charset="0"/>
-              </a:rPr>
-              <a:t>=|_(</a:t>
-            </a:r>
-            <a:r>
-              <a:rPr lang="de-DE" dirty="0" err="1" smtClean="0">
-                <a:latin typeface="Courier New" pitchFamily="49" charset="0"/>
-                <a:cs typeface="Courier New" pitchFamily="49" charset="0"/>
-              </a:rPr>
-              <a:t>x,D</a:t>
-            </a:r>
-            <a:r>
-              <a:rPr lang="de-DE" dirty="0" smtClean="0">
-                <a:latin typeface="Courier New" pitchFamily="49" charset="0"/>
-                <a:cs typeface="Courier New" pitchFamily="49" charset="0"/>
-              </a:rPr>
-              <a:t>) </a:t>
-            </a:r>
-            <a:r>
-              <a:rPr lang="de-DE" dirty="0" err="1" smtClean="0">
-                <a:latin typeface="Courier New" pitchFamily="49" charset="0"/>
-                <a:cs typeface="Courier New" pitchFamily="49" charset="0"/>
-              </a:rPr>
-              <a:t>draft</a:t>
-            </a:r>
-            <a:r>
-              <a:rPr lang="de-DE" dirty="0" smtClean="0">
-                <a:latin typeface="Courier New" pitchFamily="49" charset="0"/>
-                <a:cs typeface="Courier New" pitchFamily="49" charset="0"/>
-              </a:rPr>
-              <a:t>; Y=z2&amp;z </a:t>
-            </a:r>
-            <a:r>
-              <a:rPr lang="de-DE" dirty="0" err="1" smtClean="0">
-                <a:latin typeface="Courier New" pitchFamily="49" charset="0"/>
-                <a:cs typeface="Courier New" pitchFamily="49" charset="0"/>
-              </a:rPr>
-              <a:t>nolabel</a:t>
-            </a:r>
-            <a:r>
-              <a:rPr lang="de-DE" dirty="0" smtClean="0">
-                <a:latin typeface="Courier New" pitchFamily="49" charset="0"/>
-                <a:cs typeface="Courier New" pitchFamily="49" charset="0"/>
-              </a:rPr>
-              <a:t>; P[X_1,Y,D,E] </a:t>
-            </a:r>
-            <a:r>
-              <a:rPr lang="de-DE" dirty="0" err="1" smtClean="0">
-                <a:latin typeface="Courier New" pitchFamily="49" charset="0"/>
-                <a:cs typeface="Courier New" pitchFamily="49" charset="0"/>
-              </a:rPr>
-              <a:t>nolabel</a:t>
-            </a:r>
-            <a:r>
-              <a:rPr lang="de-DE" dirty="0" smtClean="0">
-                <a:latin typeface="Courier New" pitchFamily="49" charset="0"/>
-                <a:cs typeface="Courier New" pitchFamily="49" charset="0"/>
-              </a:rPr>
-              <a:t>;</a:t>
-            </a:r>
-          </a:p>
-          <a:p>
-            <a:r>
-              <a:rPr lang="de-DE" dirty="0" smtClean="0">
-                <a:latin typeface="Courier New" pitchFamily="49" charset="0"/>
-                <a:cs typeface="Courier New" pitchFamily="49" charset="0"/>
-              </a:rPr>
-              <a:t> </a:t>
-            </a:r>
-            <a:r>
-              <a:rPr lang="de-DE" dirty="0" smtClean="0">
-                <a:latin typeface="Courier New" pitchFamily="49" charset="0"/>
-                <a:cs typeface="Courier New" pitchFamily="49" charset="0"/>
-              </a:rPr>
-              <a:t>  }</a:t>
+              <a:t>   }</a:t>
             </a:r>
             <a:endParaRPr lang="de-DE" dirty="0">
               <a:latin typeface="Courier New" pitchFamily="49" charset="0"/>
@@ -14201,11 +14559,7 @@
             </a:r>
             <a:r>
               <a:rPr lang="de-DE" dirty="0" smtClean="0"/>
-              <a:t>(B,C</a:t>
-            </a:r>
-            <a:r>
-              <a:rPr lang="de-DE" dirty="0" smtClean="0"/>
-              <a:t>);</a:t>
+              <a:t>(B,C);</a:t>
             </a:r>
           </a:p>
           <a:p>
@@ -14298,228 +14652,6 @@
               <a:t>(A,B);</a:t>
             </a:r>
             <a:endParaRPr lang="de-DE" dirty="0"/>
-          </a:p>
-        </p:txBody>
-      </p:sp>
-    </p:spTree>
-  </p:cSld>
-  <p:clrMapOvr>
-    <a:masterClrMapping/>
-  </p:clrMapOvr>
-  <p:timing>
-    <p:tnLst>
-      <p:par>
-        <p:cTn id="1" dur="indefinite" restart="never" nodeType="tmRoot"/>
-      </p:par>
-    </p:tnLst>
-  </p:timing>
-</p:sld>
-</file>
-
-<file path=ppt/slides/slide39.xml><?xml version="1.0" encoding="utf-8"?>
-<p:sld xmlns:a="http://schemas.openxmlformats.org/drawingml/2006/main" xmlns:r="http://schemas.openxmlformats.org/officeDocument/2006/relationships" xmlns:p="http://schemas.openxmlformats.org/presentationml/2006/main">
-  <p:cSld>
-    <p:spTree>
-      <p:nvGrpSpPr>
-        <p:cNvPr id="1" name=""/>
-        <p:cNvGrpSpPr/>
-        <p:nvPr/>
-      </p:nvGrpSpPr>
-      <p:grpSpPr>
-        <a:xfrm>
-          <a:off x="0" y="0"/>
-          <a:ext cx="0" cy="0"/>
-          <a:chOff x="0" y="0"/>
-          <a:chExt cx="0" cy="0"/>
-        </a:xfrm>
-      </p:grpSpPr>
-      <p:sp>
-        <p:nvSpPr>
-          <p:cNvPr id="4" name="Rechteck 3"/>
-          <p:cNvSpPr/>
-          <p:nvPr/>
-        </p:nvSpPr>
-        <p:spPr>
-          <a:xfrm>
-            <a:off x="642910" y="428604"/>
-            <a:ext cx="7643866" cy="707886"/>
-          </a:xfrm>
-          <a:prstGeom prst="rect">
-            <a:avLst/>
-          </a:prstGeom>
-        </p:spPr>
-        <p:txBody>
-          <a:bodyPr wrap="square">
-            <a:spAutoFit/>
-          </a:bodyPr>
-          <a:lstStyle/>
-          <a:p>
-            <a:r>
-              <a:rPr lang="de-DE" sz="4000" b="1" dirty="0" err="1" smtClean="0"/>
-              <a:t>Macros</a:t>
-            </a:r>
-            <a:endParaRPr lang="de-DE" sz="4000" b="1" dirty="0"/>
-          </a:p>
-        </p:txBody>
-      </p:sp>
-      <p:sp>
-        <p:nvSpPr>
-          <p:cNvPr id="21" name="Textfeld 20"/>
-          <p:cNvSpPr txBox="1"/>
-          <p:nvPr/>
-        </p:nvSpPr>
-        <p:spPr>
-          <a:xfrm>
-            <a:off x="785786" y="1285860"/>
-            <a:ext cx="7574509" cy="523220"/>
-          </a:xfrm>
-          <a:prstGeom prst="rect">
-            <a:avLst/>
-          </a:prstGeom>
-          <a:noFill/>
-        </p:spPr>
-        <p:txBody>
-          <a:bodyPr wrap="none" rtlCol="0">
-            <a:spAutoFit/>
-          </a:bodyPr>
-          <a:lstStyle/>
-          <a:p>
-            <a:r>
-              <a:rPr lang="de-DE" sz="2800" b="1" dirty="0" err="1" smtClean="0"/>
-              <a:t>Perpendicular</a:t>
-            </a:r>
-            <a:r>
-              <a:rPr lang="de-DE" sz="2800" b="1" dirty="0" smtClean="0"/>
-              <a:t> </a:t>
-            </a:r>
-            <a:r>
-              <a:rPr lang="de-DE" sz="2800" b="1" dirty="0" err="1" smtClean="0"/>
-              <a:t>bisector</a:t>
-            </a:r>
-            <a:r>
-              <a:rPr lang="de-DE" sz="2800" b="1" dirty="0" smtClean="0"/>
-              <a:t> </a:t>
-            </a:r>
-            <a:r>
-              <a:rPr lang="de-DE" sz="2800" dirty="0" smtClean="0"/>
-              <a:t>(</a:t>
-            </a:r>
-            <a:r>
-              <a:rPr lang="de-DE" sz="2800" dirty="0" err="1" smtClean="0"/>
-              <a:t>defined</a:t>
-            </a:r>
-            <a:r>
-              <a:rPr lang="de-DE" sz="2800" dirty="0" smtClean="0"/>
-              <a:t> </a:t>
-            </a:r>
-            <a:r>
-              <a:rPr lang="de-DE" sz="2800" dirty="0" err="1" smtClean="0"/>
-              <a:t>by</a:t>
-            </a:r>
-            <a:r>
-              <a:rPr lang="de-DE" sz="2800" dirty="0" smtClean="0"/>
-              <a:t> </a:t>
-            </a:r>
-            <a:r>
-              <a:rPr lang="de-DE" sz="2800" dirty="0" err="1" smtClean="0"/>
-              <a:t>two</a:t>
-            </a:r>
-            <a:r>
-              <a:rPr lang="de-DE" sz="2800" dirty="0" smtClean="0"/>
-              <a:t> </a:t>
-            </a:r>
-            <a:r>
-              <a:rPr lang="de-DE" sz="2800" dirty="0" err="1" smtClean="0"/>
-              <a:t>points</a:t>
-            </a:r>
-            <a:r>
-              <a:rPr lang="de-DE" sz="2800" dirty="0" smtClean="0"/>
-              <a:t> D,E)</a:t>
-            </a:r>
-            <a:endParaRPr lang="de-DE" sz="2800" b="1" dirty="0"/>
-          </a:p>
-        </p:txBody>
-      </p:sp>
-      <p:sp>
-        <p:nvSpPr>
-          <p:cNvPr id="22" name="Rechteck 21"/>
-          <p:cNvSpPr/>
-          <p:nvPr/>
-        </p:nvSpPr>
-        <p:spPr>
-          <a:xfrm>
-            <a:off x="285720" y="1857364"/>
-            <a:ext cx="8643998" cy="646331"/>
-          </a:xfrm>
-          <a:prstGeom prst="rect">
-            <a:avLst/>
-          </a:prstGeom>
-        </p:spPr>
-        <p:txBody>
-          <a:bodyPr wrap="square">
-            <a:spAutoFit/>
-          </a:bodyPr>
-          <a:lstStyle/>
-          <a:p>
-            <a:r>
-              <a:rPr lang="de-DE" dirty="0" err="1" smtClean="0">
-                <a:latin typeface="Courier New" pitchFamily="49" charset="0"/>
-                <a:cs typeface="Courier New" pitchFamily="49" charset="0"/>
-              </a:rPr>
-              <a:t>Bisector</a:t>
-            </a:r>
-            <a:r>
-              <a:rPr lang="de-DE" dirty="0" smtClean="0">
-                <a:latin typeface="Courier New" pitchFamily="49" charset="0"/>
-                <a:cs typeface="Courier New" pitchFamily="49" charset="0"/>
-              </a:rPr>
-              <a:t> = </a:t>
-            </a:r>
-            <a:r>
-              <a:rPr lang="de-DE" dirty="0" err="1" smtClean="0">
-                <a:latin typeface="Courier New" pitchFamily="49" charset="0"/>
-                <a:cs typeface="Courier New" pitchFamily="49" charset="0"/>
-              </a:rPr>
-              <a:t>Macro</a:t>
-            </a:r>
-            <a:r>
-              <a:rPr lang="de-DE" dirty="0" smtClean="0">
-                <a:latin typeface="Courier New" pitchFamily="49" charset="0"/>
-                <a:cs typeface="Courier New" pitchFamily="49" charset="0"/>
-              </a:rPr>
-              <a:t>(D,E</a:t>
-            </a:r>
-            <a:r>
-              <a:rPr lang="de-DE" dirty="0" smtClean="0">
-                <a:latin typeface="Courier New" pitchFamily="49" charset="0"/>
-                <a:cs typeface="Courier New" pitchFamily="49" charset="0"/>
-              </a:rPr>
-              <a:t>) </a:t>
-            </a:r>
-            <a:endParaRPr lang="de-DE" dirty="0" smtClean="0">
-              <a:latin typeface="Courier New" pitchFamily="49" charset="0"/>
-              <a:cs typeface="Courier New" pitchFamily="49" charset="0"/>
-            </a:endParaRPr>
-          </a:p>
-          <a:p>
-            <a:r>
-              <a:rPr lang="de-DE" dirty="0" smtClean="0">
-                <a:latin typeface="Courier New" pitchFamily="49" charset="0"/>
-                <a:cs typeface="Courier New" pitchFamily="49" charset="0"/>
-              </a:rPr>
-              <a:t> </a:t>
-            </a:r>
-            <a:r>
-              <a:rPr lang="de-DE" dirty="0" smtClean="0">
-                <a:latin typeface="Courier New" pitchFamily="49" charset="0"/>
-                <a:cs typeface="Courier New" pitchFamily="49" charset="0"/>
-              </a:rPr>
-              <a:t>  {}</a:t>
-            </a:r>
-            <a:endParaRPr lang="de-DE" dirty="0">
-              <a:latin typeface="Courier New" pitchFamily="49" charset="0"/>
-              <a:cs typeface="Courier New" pitchFamily="49" charset="0"/>
-            </a:endParaRPr>
           </a:p>
         </p:txBody>
       </p:sp>
